--- a/CSL_WEHI_presentation_revised.pptx
+++ b/CSL_WEHI_presentation_revised.pptx
@@ -1875,25 +1875,6 @@
           <a:p>
             <a:r>
               <a:rPr lang="en-AU" dirty="0"/>
-              <a:t>RB: A better density plot! Use </a:t>
-            </a:r>
-            <a:r>
-              <a:rPr lang="en-AU" dirty="0" err="1"/>
-              <a:t>ggplot</a:t>
-            </a:r>
-            <a:r>
-              <a:rPr lang="en-AU" dirty="0"/>
-              <a:t> and plot all three curves NN, XGB and </a:t>
-            </a:r>
-            <a:r>
-              <a:rPr lang="en-AU" dirty="0" err="1"/>
-              <a:t>Enseble</a:t>
-            </a:r>
-            <a:endParaRPr lang="en-AU" dirty="0"/>
-          </a:p>
-          <a:p>
-            <a:r>
-              <a:rPr lang="en-AU" dirty="0"/>
               <a:t>Read for </a:t>
             </a:r>
             <a:r>
@@ -2795,11 +2776,7 @@
           <a:p>
             <a:r>
               <a:rPr lang="en-AU" dirty="0"/>
-              <a:t>Mention that from here we only work </a:t>
-            </a:r>
-            <a:r>
-              <a:rPr lang="en-AU"/>
-              <a:t>with lung</a:t>
+              <a:t>Mention that from here we only work with lung</a:t>
             </a:r>
           </a:p>
         </p:txBody>
@@ -9816,14 +9793,14 @@
           <p:nvPr>
             <p:extLst>
               <p:ext uri="{D42A27DB-BD31-4B8C-83A1-F6EECF244321}">
-                <p14:modId xmlns:p14="http://schemas.microsoft.com/office/powerpoint/2010/main" val="1213999208"/>
+                <p14:modId xmlns:p14="http://schemas.microsoft.com/office/powerpoint/2010/main" val="2524555818"/>
               </p:ext>
             </p:extLst>
           </p:nvPr>
         </p:nvGraphicFramePr>
         <p:xfrm>
-          <a:off x="970384" y="2551570"/>
-          <a:ext cx="3247052" cy="1483360"/>
+          <a:off x="7259216" y="764342"/>
+          <a:ext cx="4094583" cy="1483360"/>
         </p:xfrm>
         <a:graphic>
           <a:graphicData uri="http://schemas.openxmlformats.org/drawingml/2006/table">
@@ -9832,14 +9809,14 @@
                 <a:tableStyleId>{21E4AEA4-8DFA-4A89-87EB-49C32662AFE0}</a:tableStyleId>
               </a:tblPr>
               <a:tblGrid>
-                <a:gridCol w="1716832">
+                <a:gridCol w="1922106">
                   <a:extLst>
                     <a:ext uri="{9D8B030D-6E8A-4147-A177-3AD203B41FA5}">
                       <a16:colId xmlns:a16="http://schemas.microsoft.com/office/drawing/2014/main" val="200345448"/>
                     </a:ext>
                   </a:extLst>
                 </a:gridCol>
-                <a:gridCol w="1530220">
+                <a:gridCol w="2172477">
                   <a:extLst>
                     <a:ext uri="{9D8B030D-6E8A-4147-A177-3AD203B41FA5}">
                       <a16:colId xmlns:a16="http://schemas.microsoft.com/office/drawing/2014/main" val="3341798904"/>
@@ -9868,7 +9845,7 @@
                     <a:p>
                       <a:r>
                         <a:rPr lang="en-AU" dirty="0"/>
-                        <a:t>Correlation</a:t>
+                        <a:t>Median Correlation</a:t>
                       </a:r>
                     </a:p>
                   </a:txBody>
@@ -10012,8 +9989,80 @@
         </p:blipFill>
         <p:spPr>
           <a:xfrm>
-            <a:off x="5262465" y="2377501"/>
-            <a:ext cx="6351113" cy="3919543"/>
+            <a:off x="8223538" y="2831585"/>
+            <a:ext cx="3856501" cy="2380012"/>
+          </a:xfrm>
+          <a:prstGeom prst="rect">
+            <a:avLst/>
+          </a:prstGeom>
+        </p:spPr>
+      </p:pic>
+      <p:pic>
+        <p:nvPicPr>
+          <p:cNvPr id="9" name="Picture 8" descr="Chart, line chart&#10;&#10;Description automatically generated">
+            <a:extLst>
+              <a:ext uri="{FF2B5EF4-FFF2-40B4-BE49-F238E27FC236}">
+                <a16:creationId xmlns:a16="http://schemas.microsoft.com/office/drawing/2014/main" id="{E7A6ADB1-5F48-487E-AD3E-C38631C17824}"/>
+              </a:ext>
+            </a:extLst>
+          </p:cNvPr>
+          <p:cNvPicPr>
+            <a:picLocks noChangeAspect="1"/>
+          </p:cNvPicPr>
+          <p:nvPr/>
+        </p:nvPicPr>
+        <p:blipFill>
+          <a:blip r:embed="rId4">
+            <a:extLst>
+              <a:ext uri="{28A0092B-C50C-407E-A947-70E740481C1C}">
+                <a14:useLocalDpi xmlns:a14="http://schemas.microsoft.com/office/drawing/2010/main" val="0"/>
+              </a:ext>
+            </a:extLst>
+          </a:blip>
+          <a:stretch>
+            <a:fillRect/>
+          </a:stretch>
+        </p:blipFill>
+        <p:spPr>
+          <a:xfrm>
+            <a:off x="4125377" y="2831585"/>
+            <a:ext cx="3856501" cy="2380012"/>
+          </a:xfrm>
+          <a:prstGeom prst="rect">
+            <a:avLst/>
+          </a:prstGeom>
+        </p:spPr>
+      </p:pic>
+      <p:pic>
+        <p:nvPicPr>
+          <p:cNvPr id="11" name="Picture 10" descr="Chart, line chart&#10;&#10;Description automatically generated">
+            <a:extLst>
+              <a:ext uri="{FF2B5EF4-FFF2-40B4-BE49-F238E27FC236}">
+                <a16:creationId xmlns:a16="http://schemas.microsoft.com/office/drawing/2014/main" id="{2E3A8A14-372F-4556-B4B6-9BB6AA691E0A}"/>
+              </a:ext>
+            </a:extLst>
+          </p:cNvPr>
+          <p:cNvPicPr>
+            <a:picLocks noChangeAspect="1"/>
+          </p:cNvPicPr>
+          <p:nvPr/>
+        </p:nvPicPr>
+        <p:blipFill>
+          <a:blip r:embed="rId5">
+            <a:extLst>
+              <a:ext uri="{28A0092B-C50C-407E-A947-70E740481C1C}">
+                <a14:useLocalDpi xmlns:a14="http://schemas.microsoft.com/office/drawing/2010/main" val="0"/>
+              </a:ext>
+            </a:extLst>
+          </a:blip>
+          <a:stretch>
+            <a:fillRect/>
+          </a:stretch>
+        </p:blipFill>
+        <p:spPr>
+          <a:xfrm>
+            <a:off x="84746" y="2831585"/>
+            <a:ext cx="3771756" cy="2327712"/>
           </a:xfrm>
           <a:prstGeom prst="rect">
             <a:avLst/>
@@ -13342,18 +13391,18 @@
 </file>
 
 <file path=customXml/item1.xml><?xml version="1.0" encoding="utf-8"?>
+<p:properties xmlns:p="http://schemas.microsoft.com/office/2006/metadata/properties" xmlns:xsi="http://www.w3.org/2001/XMLSchema-instance" xmlns:pc="http://schemas.microsoft.com/office/infopath/2007/PartnerControls">
+  <documentManagement/>
+</p:properties>
+</file>
+
+<file path=customXml/item2.xml><?xml version="1.0" encoding="utf-8"?>
 <?mso-contentType ?>
 <FormTemplates xmlns="http://schemas.microsoft.com/sharepoint/v3/contenttype/forms">
   <Display>DocumentLibraryForm</Display>
   <Edit>DocumentLibraryForm</Edit>
   <New>DocumentLibraryForm</New>
 </FormTemplates>
-</file>
-
-<file path=customXml/item2.xml><?xml version="1.0" encoding="utf-8"?>
-<p:properties xmlns:p="http://schemas.microsoft.com/office/2006/metadata/properties" xmlns:xsi="http://www.w3.org/2001/XMLSchema-instance" xmlns:pc="http://schemas.microsoft.com/office/infopath/2007/PartnerControls">
-  <documentManagement/>
-</p:properties>
 </file>
 
 <file path=customXml/item3.xml><?xml version="1.0" encoding="utf-8"?>
@@ -13541,18 +13590,18 @@
 </file>
 
 <file path=customXml/itemProps1.xml><?xml version="1.0" encoding="utf-8"?>
-<ds:datastoreItem xmlns:ds="http://schemas.openxmlformats.org/officeDocument/2006/customXml" ds:itemID="{50F748C8-BED4-49BF-96BF-84B1745AF483}">
+<ds:datastoreItem xmlns:ds="http://schemas.openxmlformats.org/officeDocument/2006/customXml" ds:itemID="{CB979703-0E65-4113-917B-E02CD33DF99C}">
   <ds:schemaRefs>
-    <ds:schemaRef ds:uri="http://schemas.microsoft.com/sharepoint/v3/contenttype/forms"/>
+    <ds:schemaRef ds:uri="http://schemas.microsoft.com/office/2006/metadata/properties"/>
+    <ds:schemaRef ds:uri="http://schemas.microsoft.com/office/infopath/2007/PartnerControls"/>
   </ds:schemaRefs>
 </ds:datastoreItem>
 </file>
 
 <file path=customXml/itemProps2.xml><?xml version="1.0" encoding="utf-8"?>
-<ds:datastoreItem xmlns:ds="http://schemas.openxmlformats.org/officeDocument/2006/customXml" ds:itemID="{CB979703-0E65-4113-917B-E02CD33DF99C}">
+<ds:datastoreItem xmlns:ds="http://schemas.openxmlformats.org/officeDocument/2006/customXml" ds:itemID="{50F748C8-BED4-49BF-96BF-84B1745AF483}">
   <ds:schemaRefs>
-    <ds:schemaRef ds:uri="http://schemas.microsoft.com/office/2006/metadata/properties"/>
-    <ds:schemaRef ds:uri="http://schemas.microsoft.com/office/infopath/2007/PartnerControls"/>
+    <ds:schemaRef ds:uri="http://schemas.microsoft.com/sharepoint/v3/contenttype/forms"/>
   </ds:schemaRefs>
 </ds:datastoreItem>
 </file>
